--- a/Spring/Decorator.pptx
+++ b/Spring/Decorator.pptx
@@ -202,7 +202,7 @@
           <a:p>
             <a:fld id="{F1298869-837A-4C15-880E-1627467534E8}" type="datetimeFigureOut">
               <a:rPr lang="ru-RU"/>
-              <a:t>23.03.2017</a:t>
+              <a:t>24.03.2017</a:t>
             </a:fld>
             <a:endParaRPr lang="ru-RU"/>
           </a:p>
@@ -1018,7 +1018,7 @@
           <a:p>
             <a:fld id="{F2FFB779-270B-4192-84BA-A697F48306DC}" type="datetimeFigureOut">
               <a:rPr lang="ru-RU" smtClean="0"/>
-              <a:t>23.03.2017</a:t>
+              <a:t>24.03.2017</a:t>
             </a:fld>
             <a:endParaRPr lang="ru-RU"/>
           </a:p>
@@ -1186,7 +1186,7 @@
           <a:p>
             <a:fld id="{F2FFB779-270B-4192-84BA-A697F48306DC}" type="datetimeFigureOut">
               <a:rPr lang="ru-RU" smtClean="0"/>
-              <a:t>23.03.2017</a:t>
+              <a:t>24.03.2017</a:t>
             </a:fld>
             <a:endParaRPr lang="ru-RU"/>
           </a:p>
@@ -1364,7 +1364,7 @@
           <a:p>
             <a:fld id="{F2FFB779-270B-4192-84BA-A697F48306DC}" type="datetimeFigureOut">
               <a:rPr lang="ru-RU" smtClean="0"/>
-              <a:t>23.03.2017</a:t>
+              <a:t>24.03.2017</a:t>
             </a:fld>
             <a:endParaRPr lang="ru-RU"/>
           </a:p>
@@ -1532,7 +1532,7 @@
           <a:p>
             <a:fld id="{F2FFB779-270B-4192-84BA-A697F48306DC}" type="datetimeFigureOut">
               <a:rPr lang="ru-RU" smtClean="0"/>
-              <a:t>23.03.2017</a:t>
+              <a:t>24.03.2017</a:t>
             </a:fld>
             <a:endParaRPr lang="ru-RU"/>
           </a:p>
@@ -1777,7 +1777,7 @@
           <a:p>
             <a:fld id="{F2FFB779-270B-4192-84BA-A697F48306DC}" type="datetimeFigureOut">
               <a:rPr lang="ru-RU" smtClean="0"/>
-              <a:t>23.03.2017</a:t>
+              <a:t>24.03.2017</a:t>
             </a:fld>
             <a:endParaRPr lang="ru-RU"/>
           </a:p>
@@ -2006,7 +2006,7 @@
           <a:p>
             <a:fld id="{F2FFB779-270B-4192-84BA-A697F48306DC}" type="datetimeFigureOut">
               <a:rPr lang="ru-RU" smtClean="0"/>
-              <a:t>23.03.2017</a:t>
+              <a:t>24.03.2017</a:t>
             </a:fld>
             <a:endParaRPr lang="ru-RU"/>
           </a:p>
@@ -2370,7 +2370,7 @@
           <a:p>
             <a:fld id="{F2FFB779-270B-4192-84BA-A697F48306DC}" type="datetimeFigureOut">
               <a:rPr lang="ru-RU" smtClean="0"/>
-              <a:t>23.03.2017</a:t>
+              <a:t>24.03.2017</a:t>
             </a:fld>
             <a:endParaRPr lang="ru-RU"/>
           </a:p>
@@ -2487,7 +2487,7 @@
           <a:p>
             <a:fld id="{F2FFB779-270B-4192-84BA-A697F48306DC}" type="datetimeFigureOut">
               <a:rPr lang="ru-RU" smtClean="0"/>
-              <a:t>23.03.2017</a:t>
+              <a:t>24.03.2017</a:t>
             </a:fld>
             <a:endParaRPr lang="ru-RU"/>
           </a:p>
@@ -2582,7 +2582,7 @@
           <a:p>
             <a:fld id="{F2FFB779-270B-4192-84BA-A697F48306DC}" type="datetimeFigureOut">
               <a:rPr lang="ru-RU" smtClean="0"/>
-              <a:t>23.03.2017</a:t>
+              <a:t>24.03.2017</a:t>
             </a:fld>
             <a:endParaRPr lang="ru-RU"/>
           </a:p>
@@ -2857,7 +2857,7 @@
           <a:p>
             <a:fld id="{F2FFB779-270B-4192-84BA-A697F48306DC}" type="datetimeFigureOut">
               <a:rPr lang="ru-RU" smtClean="0"/>
-              <a:t>23.03.2017</a:t>
+              <a:t>24.03.2017</a:t>
             </a:fld>
             <a:endParaRPr lang="ru-RU"/>
           </a:p>
@@ -3109,7 +3109,7 @@
           <a:p>
             <a:fld id="{F2FFB779-270B-4192-84BA-A697F48306DC}" type="datetimeFigureOut">
               <a:rPr lang="ru-RU" smtClean="0"/>
-              <a:t>23.03.2017</a:t>
+              <a:t>24.03.2017</a:t>
             </a:fld>
             <a:endParaRPr lang="ru-RU"/>
           </a:p>
@@ -3320,7 +3320,7 @@
           <a:p>
             <a:fld id="{F2FFB779-270B-4192-84BA-A697F48306DC}" type="datetimeFigureOut">
               <a:rPr lang="ru-RU" smtClean="0"/>
-              <a:t>23.03.2017</a:t>
+              <a:t>24.03.2017</a:t>
             </a:fld>
             <a:endParaRPr lang="ru-RU"/>
           </a:p>
@@ -4047,7 +4047,12 @@
             <p:ph type="title"/>
           </p:nvPr>
         </p:nvSpPr>
-        <p:spPr/>
+        <p:spPr>
+          <a:xfrm>
+            <a:off x="771525" y="610858"/>
+            <a:ext cx="10515600" cy="1325563"/>
+          </a:xfrm>
+        </p:spPr>
         <p:txBody>
           <a:bodyPr/>
           <a:lstStyle/>
@@ -4075,28 +4080,64 @@
             <p:ph idx="1"/>
           </p:nvPr>
         </p:nvSpPr>
-        <p:spPr/>
+        <p:spPr>
+          <a:xfrm>
+            <a:off x="1362075" y="1933575"/>
+            <a:ext cx="10515600" cy="4351338"/>
+          </a:xfrm>
+        </p:spPr>
         <p:txBody>
           <a:bodyPr vert="horz" lIns="91440" tIns="45720" rIns="91440" bIns="45720" rtlCol="0" anchor="t">
             <a:normAutofit/>
           </a:bodyPr>
           <a:lstStyle/>
           <a:p>
-            <a:r>
-              <a:rPr lang="en-US"/>
-              <a:t>Flexible class creation</a:t>
-            </a:r>
-          </a:p>
-          <a:p>
-            <a:r>
-              <a:rPr lang="en-US"/>
-              <a:t>Decorate just certain methods</a:t>
-            </a:r>
-          </a:p>
-          <a:p>
-            <a:r>
-              <a:rPr lang="en-US"/>
-              <a:t>Dynamically enabled</a:t>
+            <a:pPr marL="0" indent="0">
+              <a:buNone/>
+            </a:pPr>
+            <a:r>
+              <a:rPr lang="en-US" sz="3200">
+                <a:solidFill>
+                  <a:srgbClr val="000000"/>
+                </a:solidFill>
+                <a:latin typeface="Calibri"/>
+              </a:rPr>
+              <a:t>Lightweight</a:t>
+            </a:r>
+          </a:p>
+          <a:p>
+            <a:pPr marL="0" indent="0">
+              <a:buNone/>
+            </a:pPr>
+            <a:endParaRPr lang="en-US" sz="1100">
+              <a:solidFill>
+                <a:srgbClr val="000000"/>
+              </a:solidFill>
+              <a:latin typeface="Calibri"/>
+            </a:endParaRPr>
+          </a:p>
+          <a:p>
+            <a:pPr marL="0" indent="0">
+              <a:buNone/>
+            </a:pPr>
+            <a:r>
+              <a:rPr lang="en-US" sz="3200"/>
+              <a:t>Dynamic</a:t>
+            </a:r>
+          </a:p>
+          <a:p>
+            <a:pPr marL="0" indent="0">
+              <a:buNone/>
+            </a:pPr>
+            <a:endParaRPr lang="en-US" sz="1200"/>
+          </a:p>
+          <a:p>
+            <a:pPr marL="0" indent="0">
+              <a:buNone/>
+            </a:pPr>
+            <a:r>
+              <a:rPr lang="en-US" sz="3200"/>
+              <a:t>Flexible</a:t>
             </a:r>
           </a:p>
           <a:p>
